--- a/Documentation/Apresentação.pptx
+++ b/Documentation/Apresentação.pptx
@@ -26,10 +26,12 @@
     <p:sldId id="312" r:id="rId23"/>
     <p:sldId id="313" r:id="rId24"/>
     <p:sldId id="314" r:id="rId25"/>
-    <p:sldId id="315" r:id="rId26"/>
-    <p:sldId id="316" r:id="rId27"/>
-    <p:sldId id="287" r:id="rId28"/>
-    <p:sldId id="286" r:id="rId29"/>
+    <p:sldId id="319" r:id="rId26"/>
+    <p:sldId id="321" r:id="rId27"/>
+    <p:sldId id="316" r:id="rId28"/>
+    <p:sldId id="315" r:id="rId29"/>
+    <p:sldId id="287" r:id="rId30"/>
+    <p:sldId id="286" r:id="rId31"/>
   </p:sldIdLst>
   <p:sldSz cx="12192000" cy="6858000"/>
   <p:notesSz cx="6858000" cy="9144000"/>
@@ -265,7 +267,7 @@
           <a:p>
             <a:fld id="{846CE7D5-CF57-46EF-B807-FDD0502418D4}" type="datetimeFigureOut">
               <a:rPr lang="en-US" smtClean="0"/>
-              <a:t>6/23/2023</a:t>
+              <a:t>6/24/2023</a:t>
             </a:fld>
             <a:endParaRPr lang="en-US" dirty="0"/>
           </a:p>
@@ -433,7 +435,7 @@
           <a:p>
             <a:fld id="{846CE7D5-CF57-46EF-B807-FDD0502418D4}" type="datetimeFigureOut">
               <a:rPr lang="en-US" smtClean="0"/>
-              <a:t>6/23/2023</a:t>
+              <a:t>6/24/2023</a:t>
             </a:fld>
             <a:endParaRPr lang="en-US" dirty="0"/>
           </a:p>
@@ -611,7 +613,7 @@
           <a:p>
             <a:fld id="{846CE7D5-CF57-46EF-B807-FDD0502418D4}" type="datetimeFigureOut">
               <a:rPr lang="en-US" smtClean="0"/>
-              <a:t>6/23/2023</a:t>
+              <a:t>6/24/2023</a:t>
             </a:fld>
             <a:endParaRPr lang="en-US" dirty="0"/>
           </a:p>
@@ -779,7 +781,7 @@
           <a:p>
             <a:fld id="{846CE7D5-CF57-46EF-B807-FDD0502418D4}" type="datetimeFigureOut">
               <a:rPr lang="en-US" smtClean="0"/>
-              <a:t>6/23/2023</a:t>
+              <a:t>6/24/2023</a:t>
             </a:fld>
             <a:endParaRPr lang="en-US" dirty="0"/>
           </a:p>
@@ -1024,7 +1026,7 @@
           <a:p>
             <a:fld id="{846CE7D5-CF57-46EF-B807-FDD0502418D4}" type="datetimeFigureOut">
               <a:rPr lang="en-US" smtClean="0"/>
-              <a:t>6/23/2023</a:t>
+              <a:t>6/24/2023</a:t>
             </a:fld>
             <a:endParaRPr lang="en-US" dirty="0"/>
           </a:p>
@@ -1253,7 +1255,7 @@
           <a:p>
             <a:fld id="{846CE7D5-CF57-46EF-B807-FDD0502418D4}" type="datetimeFigureOut">
               <a:rPr lang="en-US" smtClean="0"/>
-              <a:t>6/23/2023</a:t>
+              <a:t>6/24/2023</a:t>
             </a:fld>
             <a:endParaRPr lang="en-US" dirty="0"/>
           </a:p>
@@ -1617,7 +1619,7 @@
           <a:p>
             <a:fld id="{846CE7D5-CF57-46EF-B807-FDD0502418D4}" type="datetimeFigureOut">
               <a:rPr lang="en-US" smtClean="0"/>
-              <a:t>6/23/2023</a:t>
+              <a:t>6/24/2023</a:t>
             </a:fld>
             <a:endParaRPr lang="en-US" dirty="0"/>
           </a:p>
@@ -1734,7 +1736,7 @@
           <a:p>
             <a:fld id="{846CE7D5-CF57-46EF-B807-FDD0502418D4}" type="datetimeFigureOut">
               <a:rPr lang="en-US" smtClean="0"/>
-              <a:t>6/23/2023</a:t>
+              <a:t>6/24/2023</a:t>
             </a:fld>
             <a:endParaRPr lang="en-US" dirty="0"/>
           </a:p>
@@ -1829,7 +1831,7 @@
           <a:p>
             <a:fld id="{846CE7D5-CF57-46EF-B807-FDD0502418D4}" type="datetimeFigureOut">
               <a:rPr lang="en-US" smtClean="0"/>
-              <a:t>6/23/2023</a:t>
+              <a:t>6/24/2023</a:t>
             </a:fld>
             <a:endParaRPr lang="en-US" dirty="0"/>
           </a:p>
@@ -2104,7 +2106,7 @@
           <a:p>
             <a:fld id="{846CE7D5-CF57-46EF-B807-FDD0502418D4}" type="datetimeFigureOut">
               <a:rPr lang="en-US" smtClean="0"/>
-              <a:t>6/23/2023</a:t>
+              <a:t>6/24/2023</a:t>
             </a:fld>
             <a:endParaRPr lang="en-US" dirty="0"/>
           </a:p>
@@ -2359,7 +2361,7 @@
           <a:p>
             <a:fld id="{846CE7D5-CF57-46EF-B807-FDD0502418D4}" type="datetimeFigureOut">
               <a:rPr lang="en-US" smtClean="0"/>
-              <a:t>6/23/2023</a:t>
+              <a:t>6/24/2023</a:t>
             </a:fld>
             <a:endParaRPr lang="en-US" dirty="0"/>
           </a:p>
@@ -2570,7 +2572,7 @@
           <a:p>
             <a:fld id="{846CE7D5-CF57-46EF-B807-FDD0502418D4}" type="datetimeFigureOut">
               <a:rPr lang="en-US" smtClean="0"/>
-              <a:t>6/23/2023</a:t>
+              <a:t>6/24/2023</a:t>
             </a:fld>
             <a:endParaRPr lang="en-US" dirty="0"/>
           </a:p>
@@ -4189,7 +4191,7 @@
         <p:spPr>
           <a:xfrm>
             <a:off x="292691" y="492970"/>
-            <a:ext cx="10118876" cy="671851"/>
+            <a:ext cx="10118876" cy="1318181"/>
           </a:xfrm>
           <a:prstGeom prst="rect">
             <a:avLst/>
@@ -4217,22 +4219,15 @@
                 <a:latin typeface="Calibri"/>
                 <a:cs typeface="Arial"/>
               </a:rPr>
-              <a:t>Desenvolvemos nosso </a:t>
-            </a:r>
-            <a:r>
-              <a:rPr lang="pt-BR" sz="2800" dirty="0" err="1">
-                <a:latin typeface="Calibri"/>
-                <a:cs typeface="Arial"/>
-              </a:rPr>
-              <a:t>PMCanvas</a:t>
-            </a:r>
-            <a:r>
-              <a:rPr lang="pt-BR" sz="2800" dirty="0">
-                <a:latin typeface="Calibri"/>
-                <a:cs typeface="Arial"/>
-              </a:rPr>
-              <a:t>:</a:t>
-            </a:r>
+              <a:t>Desenvolvemos nosso PMCanvas:</a:t>
+            </a:r>
+          </a:p>
+          <a:p>
+            <a:pPr marL="457207" lvl="1" algn="just">
+              <a:lnSpc>
+                <a:spcPct val="150000"/>
+              </a:lnSpc>
+            </a:pPr>
             <a:endParaRPr lang="pt-BR" sz="2800" dirty="0">
               <a:latin typeface="Calibri"/>
               <a:ea typeface="+mn-lt"/>
@@ -4243,10 +4238,10 @@
       </p:sp>
       <p:pic>
         <p:nvPicPr>
-          <p:cNvPr id="4" name="Imagem 3" descr="Calendário&#10;&#10;Descrição gerada automaticamente">
-            <a:extLst>
-              <a:ext uri="{FF2B5EF4-FFF2-40B4-BE49-F238E27FC236}">
-                <a16:creationId xmlns:a16="http://schemas.microsoft.com/office/drawing/2014/main" id="{EBB9E9CE-BD83-58EA-A337-FD09266F8F67}"/>
+          <p:cNvPr id="2" name="Imagem 1" descr="Calendário&#10;&#10;Descrição gerada automaticamente">
+            <a:extLst>
+              <a:ext uri="{FF2B5EF4-FFF2-40B4-BE49-F238E27FC236}">
+                <a16:creationId xmlns:a16="http://schemas.microsoft.com/office/drawing/2014/main" id="{0D3F8FB1-BF33-016E-B74B-D5E0963F71B3}"/>
               </a:ext>
             </a:extLst>
           </p:cNvPr>
@@ -4256,21 +4251,15 @@
           <p:nvPr/>
         </p:nvPicPr>
         <p:blipFill>
-          <a:blip r:embed="rId2">
-            <a:extLst>
-              <a:ext uri="{28A0092B-C50C-407E-A947-70E740481C1C}">
-                <a14:useLocalDpi xmlns:a14="http://schemas.microsoft.com/office/drawing/2010/main" val="0"/>
-              </a:ext>
-            </a:extLst>
-          </a:blip>
+          <a:blip r:embed="rId2"/>
           <a:stretch>
             <a:fillRect/>
           </a:stretch>
         </p:blipFill>
         <p:spPr>
           <a:xfrm>
-            <a:off x="2505540" y="1408167"/>
-            <a:ext cx="7180919" cy="5095662"/>
+            <a:off x="1943114" y="1197205"/>
+            <a:ext cx="7020255" cy="5580668"/>
           </a:xfrm>
           <a:prstGeom prst="rect">
             <a:avLst/>
@@ -7127,23 +7116,7 @@
                 <a:ea typeface="+mn-lt"/>
                 <a:cs typeface="Arial"/>
               </a:rPr>
-              <a:t>As entregas de cada etapa foram conforme sprint documentadas no </a:t>
-            </a:r>
-            <a:r>
-              <a:rPr lang="pt-BR" sz="2800" dirty="0" err="1">
-                <a:latin typeface="Calibri"/>
-                <a:ea typeface="+mn-lt"/>
-                <a:cs typeface="Arial"/>
-              </a:rPr>
-              <a:t>Jira</a:t>
-            </a:r>
-            <a:r>
-              <a:rPr lang="pt-BR" sz="2800" dirty="0">
-                <a:latin typeface="Calibri"/>
-                <a:ea typeface="+mn-lt"/>
-                <a:cs typeface="Arial"/>
-              </a:rPr>
-              <a:t>:</a:t>
+              <a:t>As entregas de cada etapa foram conforme as sprint documentadas no JIRA:</a:t>
             </a:r>
           </a:p>
         </p:txBody>
@@ -7171,7 +7144,7 @@
         <p:spPr>
           <a:xfrm>
             <a:off x="1839073" y="2354597"/>
-            <a:ext cx="7214647" cy="3889418"/>
+            <a:ext cx="7138266" cy="3848240"/>
           </a:xfrm>
           <a:prstGeom prst="rect">
             <a:avLst/>
@@ -7327,61 +7300,12 @@
           </a:p>
         </p:txBody>
       </p:sp>
-      <p:sp>
-        <p:nvSpPr>
-          <p:cNvPr id="7" name="TextBox 6">
-            <a:extLst>
-              <a:ext uri="{FF2B5EF4-FFF2-40B4-BE49-F238E27FC236}">
-                <a16:creationId xmlns:a16="http://schemas.microsoft.com/office/drawing/2014/main" id="{8AC8AAAD-CD83-6680-B14C-292BCF44487D}"/>
-              </a:ext>
-            </a:extLst>
-          </p:cNvPr>
-          <p:cNvSpPr txBox="1"/>
-          <p:nvPr/>
-        </p:nvSpPr>
-        <p:spPr>
-          <a:xfrm>
-            <a:off x="386959" y="295007"/>
-            <a:ext cx="10118876" cy="671851"/>
-          </a:xfrm>
-          <a:prstGeom prst="rect">
-            <a:avLst/>
-          </a:prstGeom>
-          <a:noFill/>
-        </p:spPr>
-        <p:txBody>
-          <a:bodyPr rot="0" spcFirstLastPara="0" vertOverflow="overflow" horzOverflow="overflow" vert="horz" wrap="square" lIns="91440" tIns="45720" rIns="91440" bIns="45720" numCol="1" spcCol="0" rtlCol="0" fromWordArt="0" anchor="t" anchorCtr="0" forceAA="0" compatLnSpc="1">
-            <a:prstTxWarp prst="textNoShape">
-              <a:avLst/>
-            </a:prstTxWarp>
-            <a:spAutoFit/>
-          </a:bodyPr>
-          <a:lstStyle/>
-          <a:p>
-            <a:pPr marL="742960" lvl="1" indent="-285753" algn="just">
-              <a:lnSpc>
-                <a:spcPct val="150000"/>
-              </a:lnSpc>
-              <a:buFont typeface="Arial,Sans-Serif"/>
-              <a:buChar char="•"/>
-            </a:pPr>
-            <a:r>
-              <a:rPr lang="pt-BR" sz="2800" dirty="0">
-                <a:latin typeface="Calibri"/>
-                <a:ea typeface="+mn-lt"/>
-                <a:cs typeface="Arial"/>
-              </a:rPr>
-              <a:t>Vamos agora visitar nossa página:</a:t>
-            </a:r>
-          </a:p>
-        </p:txBody>
-      </p:sp>
       <p:pic>
         <p:nvPicPr>
-          <p:cNvPr id="6" name="Imagem 5">
-            <a:extLst>
-              <a:ext uri="{FF2B5EF4-FFF2-40B4-BE49-F238E27FC236}">
-                <a16:creationId xmlns:a16="http://schemas.microsoft.com/office/drawing/2014/main" id="{C84AF50C-2C0B-1FEF-9349-C95E3AE10A90}"/>
+          <p:cNvPr id="4" name="Imagem 3">
+            <a:extLst>
+              <a:ext uri="{FF2B5EF4-FFF2-40B4-BE49-F238E27FC236}">
+                <a16:creationId xmlns:a16="http://schemas.microsoft.com/office/drawing/2014/main" id="{33586C15-25A9-5FA1-E619-6BA132E4A02E}"/>
               </a:ext>
             </a:extLst>
           </p:cNvPr>
@@ -7398,8 +7322,8 @@
         </p:blipFill>
         <p:spPr>
           <a:xfrm>
-            <a:off x="1592397" y="1405187"/>
-            <a:ext cx="7708000" cy="4401534"/>
+            <a:off x="414779" y="931512"/>
+            <a:ext cx="10228082" cy="4459256"/>
           </a:xfrm>
           <a:prstGeom prst="rect">
             <a:avLst/>
@@ -7409,7 +7333,7 @@
     </p:spTree>
     <p:extLst>
       <p:ext uri="{BB962C8B-B14F-4D97-AF65-F5344CB8AC3E}">
-        <p14:creationId xmlns:p14="http://schemas.microsoft.com/office/powerpoint/2010/main" val="2578815574"/>
+        <p14:creationId xmlns:p14="http://schemas.microsoft.com/office/powerpoint/2010/main" val="1461419451"/>
       </p:ext>
     </p:extLst>
   </p:cSld>
@@ -7555,61 +7479,12 @@
           </a:p>
         </p:txBody>
       </p:sp>
-      <p:sp>
-        <p:nvSpPr>
-          <p:cNvPr id="7" name="TextBox 6">
-            <a:extLst>
-              <a:ext uri="{FF2B5EF4-FFF2-40B4-BE49-F238E27FC236}">
-                <a16:creationId xmlns:a16="http://schemas.microsoft.com/office/drawing/2014/main" id="{8AC8AAAD-CD83-6680-B14C-292BCF44487D}"/>
-              </a:ext>
-            </a:extLst>
-          </p:cNvPr>
-          <p:cNvSpPr txBox="1"/>
-          <p:nvPr/>
-        </p:nvSpPr>
-        <p:spPr>
-          <a:xfrm>
-            <a:off x="386959" y="295007"/>
-            <a:ext cx="10118876" cy="1964512"/>
-          </a:xfrm>
-          <a:prstGeom prst="rect">
-            <a:avLst/>
-          </a:prstGeom>
-          <a:noFill/>
-        </p:spPr>
-        <p:txBody>
-          <a:bodyPr rot="0" spcFirstLastPara="0" vertOverflow="overflow" horzOverflow="overflow" vert="horz" wrap="square" lIns="91440" tIns="45720" rIns="91440" bIns="45720" numCol="1" spcCol="0" rtlCol="0" fromWordArt="0" anchor="t" anchorCtr="0" forceAA="0" compatLnSpc="1">
-            <a:prstTxWarp prst="textNoShape">
-              <a:avLst/>
-            </a:prstTxWarp>
-            <a:spAutoFit/>
-          </a:bodyPr>
-          <a:lstStyle/>
-          <a:p>
-            <a:pPr marL="742960" lvl="1" indent="-285753" algn="just">
-              <a:lnSpc>
-                <a:spcPct val="150000"/>
-              </a:lnSpc>
-              <a:buFont typeface="Arial,Sans-Serif"/>
-              <a:buChar char="•"/>
-            </a:pPr>
-            <a:r>
-              <a:rPr lang="pt-BR" sz="2800" dirty="0">
-                <a:latin typeface="Calibri"/>
-                <a:ea typeface="+mn-lt"/>
-                <a:cs typeface="Arial"/>
-              </a:rPr>
-              <a:t>Temos a nossa Lista de backlogs, devido ao curto tempo para desenvolvimento do projeto algumas funcionalidades e ajustes ficaram em backlogs:</a:t>
-            </a:r>
-          </a:p>
-        </p:txBody>
-      </p:sp>
       <p:pic>
         <p:nvPicPr>
-          <p:cNvPr id="6" name="Imagem 5">
-            <a:extLst>
-              <a:ext uri="{FF2B5EF4-FFF2-40B4-BE49-F238E27FC236}">
-                <a16:creationId xmlns:a16="http://schemas.microsoft.com/office/drawing/2014/main" id="{B0269DA6-259C-B04D-9AA7-745BBF0279E1}"/>
+          <p:cNvPr id="2" name="Imagem 1">
+            <a:extLst>
+              <a:ext uri="{FF2B5EF4-FFF2-40B4-BE49-F238E27FC236}">
+                <a16:creationId xmlns:a16="http://schemas.microsoft.com/office/drawing/2014/main" id="{95D55BC2-D03E-D211-15A3-0DB609DAFDD7}"/>
               </a:ext>
             </a:extLst>
           </p:cNvPr>
@@ -7626,8 +7501,8 @@
         </p:blipFill>
         <p:spPr>
           <a:xfrm>
-            <a:off x="2281286" y="2432901"/>
-            <a:ext cx="5876139" cy="3854532"/>
+            <a:off x="311285" y="1037852"/>
+            <a:ext cx="10265589" cy="4457641"/>
           </a:xfrm>
           <a:prstGeom prst="rect">
             <a:avLst/>
@@ -7637,7 +7512,7 @@
     </p:spTree>
     <p:extLst>
       <p:ext uri="{BB962C8B-B14F-4D97-AF65-F5344CB8AC3E}">
-        <p14:creationId xmlns:p14="http://schemas.microsoft.com/office/powerpoint/2010/main" val="2598319023"/>
+        <p14:creationId xmlns:p14="http://schemas.microsoft.com/office/powerpoint/2010/main" val="1536639784"/>
       </p:ext>
     </p:extLst>
   </p:cSld>
@@ -7732,7 +7607,7 @@
         </p:nvSpPr>
         <p:spPr>
           <a:xfrm>
-            <a:off x="11272557" y="2677645"/>
+            <a:off x="11273118" y="2687072"/>
             <a:ext cx="918882" cy="918882"/>
           </a:xfrm>
           <a:prstGeom prst="rect">
@@ -7785,10 +7660,10 @@
       </p:sp>
       <p:sp>
         <p:nvSpPr>
-          <p:cNvPr id="6" name="TextBox 5">
-            <a:extLst>
-              <a:ext uri="{FF2B5EF4-FFF2-40B4-BE49-F238E27FC236}">
-                <a16:creationId xmlns:a16="http://schemas.microsoft.com/office/drawing/2014/main" id="{DFD9A803-BD83-F3B1-A2E4-9DCF0428DB5A}"/>
+          <p:cNvPr id="7" name="TextBox 6">
+            <a:extLst>
+              <a:ext uri="{FF2B5EF4-FFF2-40B4-BE49-F238E27FC236}">
+                <a16:creationId xmlns:a16="http://schemas.microsoft.com/office/drawing/2014/main" id="{8AC8AAAD-CD83-6680-B14C-292BCF44487D}"/>
               </a:ext>
             </a:extLst>
           </p:cNvPr>
@@ -7797,8 +7672,8 @@
         </p:nvSpPr>
         <p:spPr>
           <a:xfrm>
-            <a:off x="853924" y="454780"/>
-            <a:ext cx="8658786" cy="846386"/>
+            <a:off x="386959" y="295007"/>
+            <a:ext cx="10118876" cy="1964512"/>
           </a:xfrm>
           <a:prstGeom prst="rect">
             <a:avLst/>
@@ -7814,23 +7689,30 @@
           </a:bodyPr>
           <a:lstStyle/>
           <a:p>
-            <a:pPr algn="l"/>
-            <a:r>
-              <a:rPr lang="en-US" sz="4900" i="1" dirty="0"/>
-              <a:t>Dúvidas?</a:t>
-            </a:r>
-            <a:endParaRPr lang="en-US" sz="4900" i="1" dirty="0">
-              <a:cs typeface="Calibri"/>
-            </a:endParaRPr>
+            <a:pPr marL="742960" lvl="1" indent="-285753" algn="just">
+              <a:lnSpc>
+                <a:spcPct val="150000"/>
+              </a:lnSpc>
+              <a:buFont typeface="Arial,Sans-Serif"/>
+              <a:buChar char="•"/>
+            </a:pPr>
+            <a:r>
+              <a:rPr lang="pt-BR" sz="2800" dirty="0">
+                <a:latin typeface="Calibri"/>
+                <a:ea typeface="+mn-lt"/>
+                <a:cs typeface="Arial"/>
+              </a:rPr>
+              <a:t>Temos a nossa Lista de backlogs, devido ao curto tempo para desenvolvimento do projeto algumas funcionalidades e ajustes ficaram em backlogs:</a:t>
+            </a:r>
           </a:p>
         </p:txBody>
       </p:sp>
       <p:pic>
         <p:nvPicPr>
-          <p:cNvPr id="4" name="Imagem 3" descr="Ícone&#10;&#10;Descrição gerada automaticamente">
-            <a:extLst>
-              <a:ext uri="{FF2B5EF4-FFF2-40B4-BE49-F238E27FC236}">
-                <a16:creationId xmlns:a16="http://schemas.microsoft.com/office/drawing/2014/main" id="{1223C119-6630-8150-7708-38815BA49809}"/>
+          <p:cNvPr id="4" name="Imagem 3">
+            <a:extLst>
+              <a:ext uri="{FF2B5EF4-FFF2-40B4-BE49-F238E27FC236}">
+                <a16:creationId xmlns:a16="http://schemas.microsoft.com/office/drawing/2014/main" id="{5DE63CE0-744E-D37D-76C2-92452082DBC4}"/>
               </a:ext>
             </a:extLst>
           </p:cNvPr>
@@ -7840,21 +7722,15 @@
           <p:nvPr/>
         </p:nvPicPr>
         <p:blipFill>
-          <a:blip r:embed="rId2">
-            <a:extLst>
-              <a:ext uri="{28A0092B-C50C-407E-A947-70E740481C1C}">
-                <a14:useLocalDpi xmlns:a14="http://schemas.microsoft.com/office/drawing/2010/main" val="0"/>
-              </a:ext>
-            </a:extLst>
-          </a:blip>
+          <a:blip r:embed="rId2"/>
           <a:stretch>
             <a:fillRect/>
           </a:stretch>
         </p:blipFill>
         <p:spPr>
           <a:xfrm>
-            <a:off x="3676061" y="1009061"/>
-            <a:ext cx="4839878" cy="4839878"/>
+            <a:off x="386959" y="2161465"/>
+            <a:ext cx="10298717" cy="4625836"/>
           </a:xfrm>
           <a:prstGeom prst="rect">
             <a:avLst/>
@@ -7864,7 +7740,7 @@
     </p:spTree>
     <p:extLst>
       <p:ext uri="{BB962C8B-B14F-4D97-AF65-F5344CB8AC3E}">
-        <p14:creationId xmlns:p14="http://schemas.microsoft.com/office/powerpoint/2010/main" val="2847713454"/>
+        <p14:creationId xmlns:p14="http://schemas.microsoft.com/office/powerpoint/2010/main" val="2598319023"/>
       </p:ext>
     </p:extLst>
   </p:cSld>
@@ -7959,7 +7835,7 @@
         </p:nvSpPr>
         <p:spPr>
           <a:xfrm>
-            <a:off x="11272557" y="2677645"/>
+            <a:off x="11273118" y="2687072"/>
             <a:ext cx="918882" cy="918882"/>
           </a:xfrm>
           <a:prstGeom prst="rect">
@@ -8012,10 +7888,10 @@
       </p:sp>
       <p:sp>
         <p:nvSpPr>
-          <p:cNvPr id="6" name="TextBox 5">
-            <a:extLst>
-              <a:ext uri="{FF2B5EF4-FFF2-40B4-BE49-F238E27FC236}">
-                <a16:creationId xmlns:a16="http://schemas.microsoft.com/office/drawing/2014/main" id="{DFD9A803-BD83-F3B1-A2E4-9DCF0428DB5A}"/>
+          <p:cNvPr id="7" name="TextBox 6">
+            <a:extLst>
+              <a:ext uri="{FF2B5EF4-FFF2-40B4-BE49-F238E27FC236}">
+                <a16:creationId xmlns:a16="http://schemas.microsoft.com/office/drawing/2014/main" id="{8AC8AAAD-CD83-6680-B14C-292BCF44487D}"/>
               </a:ext>
             </a:extLst>
           </p:cNvPr>
@@ -8024,8 +7900,8 @@
         </p:nvSpPr>
         <p:spPr>
           <a:xfrm>
-            <a:off x="853924" y="454780"/>
-            <a:ext cx="8658786" cy="846386"/>
+            <a:off x="386959" y="295007"/>
+            <a:ext cx="10118876" cy="671851"/>
           </a:xfrm>
           <a:prstGeom prst="rect">
             <a:avLst/>
@@ -8041,10 +7917,238 @@
           </a:bodyPr>
           <a:lstStyle/>
           <a:p>
+            <a:pPr marL="742960" lvl="1" indent="-285753" algn="just">
+              <a:lnSpc>
+                <a:spcPct val="150000"/>
+              </a:lnSpc>
+              <a:buFont typeface="Arial,Sans-Serif"/>
+              <a:buChar char="•"/>
+            </a:pPr>
+            <a:r>
+              <a:rPr lang="pt-BR" sz="2800" dirty="0">
+                <a:latin typeface="Calibri"/>
+                <a:ea typeface="+mn-lt"/>
+                <a:cs typeface="Arial"/>
+              </a:rPr>
+              <a:t>Vamos agora visitar nossa página:</a:t>
+            </a:r>
+          </a:p>
+        </p:txBody>
+      </p:sp>
+      <p:pic>
+        <p:nvPicPr>
+          <p:cNvPr id="6" name="Imagem 5">
+            <a:extLst>
+              <a:ext uri="{FF2B5EF4-FFF2-40B4-BE49-F238E27FC236}">
+                <a16:creationId xmlns:a16="http://schemas.microsoft.com/office/drawing/2014/main" id="{C84AF50C-2C0B-1FEF-9349-C95E3AE10A90}"/>
+              </a:ext>
+            </a:extLst>
+          </p:cNvPr>
+          <p:cNvPicPr>
+            <a:picLocks noChangeAspect="1"/>
+          </p:cNvPicPr>
+          <p:nvPr/>
+        </p:nvPicPr>
+        <p:blipFill>
+          <a:blip r:embed="rId2"/>
+          <a:stretch>
+            <a:fillRect/>
+          </a:stretch>
+        </p:blipFill>
+        <p:spPr>
+          <a:xfrm>
+            <a:off x="1592397" y="1405187"/>
+            <a:ext cx="7708000" cy="4401534"/>
+          </a:xfrm>
+          <a:prstGeom prst="rect">
+            <a:avLst/>
+          </a:prstGeom>
+        </p:spPr>
+      </p:pic>
+    </p:spTree>
+    <p:extLst>
+      <p:ext uri="{BB962C8B-B14F-4D97-AF65-F5344CB8AC3E}">
+        <p14:creationId xmlns:p14="http://schemas.microsoft.com/office/powerpoint/2010/main" val="2578815574"/>
+      </p:ext>
+    </p:extLst>
+  </p:cSld>
+  <p:clrMapOvr>
+    <a:masterClrMapping/>
+  </p:clrMapOvr>
+</p:sld>
+</file>
+
+<file path=ppt/slides/slide26.xml><?xml version="1.0" encoding="utf-8"?>
+<p:sld xmlns:a="http://schemas.openxmlformats.org/drawingml/2006/main" xmlns:r="http://schemas.openxmlformats.org/officeDocument/2006/relationships" xmlns:p="http://schemas.openxmlformats.org/presentationml/2006/main">
+  <p:cSld>
+    <p:spTree>
+      <p:nvGrpSpPr>
+        <p:cNvPr id="1" name=""/>
+        <p:cNvGrpSpPr/>
+        <p:nvPr/>
+      </p:nvGrpSpPr>
+      <p:grpSpPr>
+        <a:xfrm>
+          <a:off x="0" y="0"/>
+          <a:ext cx="0" cy="0"/>
+          <a:chOff x="0" y="0"/>
+          <a:chExt cx="0" cy="0"/>
+        </a:xfrm>
+      </p:grpSpPr>
+      <p:sp>
+        <p:nvSpPr>
+          <p:cNvPr id="3" name="Rectangle 2">
+            <a:extLst>
+              <a:ext uri="{FF2B5EF4-FFF2-40B4-BE49-F238E27FC236}">
+                <a16:creationId xmlns:a16="http://schemas.microsoft.com/office/drawing/2014/main" id="{30708D26-B4A5-015D-4B78-65A8335F30DA}"/>
+              </a:ext>
+            </a:extLst>
+          </p:cNvPr>
+          <p:cNvSpPr/>
+          <p:nvPr/>
+        </p:nvSpPr>
+        <p:spPr>
+          <a:xfrm>
+            <a:off x="11274725" y="-4313"/>
+            <a:ext cx="920150" cy="6966856"/>
+          </a:xfrm>
+          <a:prstGeom prst="rect">
+            <a:avLst/>
+          </a:prstGeom>
+          <a:solidFill>
+            <a:schemeClr val="accent6">
+              <a:lumMod val="75000"/>
+            </a:schemeClr>
+          </a:solidFill>
+          <a:ln>
+            <a:noFill/>
+          </a:ln>
+        </p:spPr>
+        <p:style>
+          <a:lnRef idx="2">
+            <a:schemeClr val="accent1">
+              <a:shade val="50000"/>
+            </a:schemeClr>
+          </a:lnRef>
+          <a:fillRef idx="1">
+            <a:schemeClr val="accent1"/>
+          </a:fillRef>
+          <a:effectRef idx="0">
+            <a:schemeClr val="accent1"/>
+          </a:effectRef>
+          <a:fontRef idx="minor">
+            <a:schemeClr val="lt1"/>
+          </a:fontRef>
+        </p:style>
+        <p:txBody>
+          <a:bodyPr rtlCol="0" anchor="ctr"/>
+          <a:lstStyle/>
+          <a:p>
+            <a:pPr algn="ctr"/>
+            <a:endParaRPr lang="en-US" dirty="0"/>
+          </a:p>
+        </p:txBody>
+      </p:sp>
+      <p:sp>
+        <p:nvSpPr>
+          <p:cNvPr id="5" name="Rectangle 4">
+            <a:extLst>
+              <a:ext uri="{FF2B5EF4-FFF2-40B4-BE49-F238E27FC236}">
+                <a16:creationId xmlns:a16="http://schemas.microsoft.com/office/drawing/2014/main" id="{6A38DADA-41FD-2E3E-7B33-937EC480D57F}"/>
+              </a:ext>
+            </a:extLst>
+          </p:cNvPr>
+          <p:cNvSpPr/>
+          <p:nvPr/>
+        </p:nvSpPr>
+        <p:spPr>
+          <a:xfrm>
+            <a:off x="11272557" y="2677645"/>
+            <a:ext cx="918882" cy="918882"/>
+          </a:xfrm>
+          <a:prstGeom prst="rect">
+            <a:avLst/>
+          </a:prstGeom>
+          <a:solidFill>
+            <a:schemeClr val="accent6">
+              <a:lumMod val="60000"/>
+              <a:lumOff val="40000"/>
+            </a:schemeClr>
+          </a:solidFill>
+          <a:ln>
+            <a:noFill/>
+          </a:ln>
+        </p:spPr>
+        <p:style>
+          <a:lnRef idx="2">
+            <a:schemeClr val="accent1">
+              <a:shade val="50000"/>
+            </a:schemeClr>
+          </a:lnRef>
+          <a:fillRef idx="1">
+            <a:schemeClr val="accent1"/>
+          </a:fillRef>
+          <a:effectRef idx="0">
+            <a:schemeClr val="accent1"/>
+          </a:effectRef>
+          <a:fontRef idx="minor">
+            <a:schemeClr val="lt1"/>
+          </a:fontRef>
+        </p:style>
+        <p:txBody>
+          <a:bodyPr lIns="91440" tIns="45720" rIns="91440" bIns="45720" rtlCol="0" anchor="ctr"/>
+          <a:lstStyle/>
+          <a:p>
+            <a:pPr algn="ctr"/>
+            <a:r>
+              <a:rPr lang="en-US" sz="2800" dirty="0">
+                <a:solidFill>
+                  <a:schemeClr val="accent6">
+                    <a:lumMod val="50000"/>
+                  </a:schemeClr>
+                </a:solidFill>
+                <a:cs typeface="Calibri"/>
+              </a:rPr>
+              <a:t>25</a:t>
+            </a:r>
+          </a:p>
+        </p:txBody>
+      </p:sp>
+      <p:sp>
+        <p:nvSpPr>
+          <p:cNvPr id="6" name="TextBox 5">
+            <a:extLst>
+              <a:ext uri="{FF2B5EF4-FFF2-40B4-BE49-F238E27FC236}">
+                <a16:creationId xmlns:a16="http://schemas.microsoft.com/office/drawing/2014/main" id="{DFD9A803-BD83-F3B1-A2E4-9DCF0428DB5A}"/>
+              </a:ext>
+            </a:extLst>
+          </p:cNvPr>
+          <p:cNvSpPr txBox="1"/>
+          <p:nvPr/>
+        </p:nvSpPr>
+        <p:spPr>
+          <a:xfrm>
+            <a:off x="853924" y="454780"/>
+            <a:ext cx="8658786" cy="846386"/>
+          </a:xfrm>
+          <a:prstGeom prst="rect">
+            <a:avLst/>
+          </a:prstGeom>
+          <a:noFill/>
+        </p:spPr>
+        <p:txBody>
+          <a:bodyPr rot="0" spcFirstLastPara="0" vertOverflow="overflow" horzOverflow="overflow" vert="horz" wrap="square" lIns="91440" tIns="45720" rIns="91440" bIns="45720" numCol="1" spcCol="0" rtlCol="0" fromWordArt="0" anchor="t" anchorCtr="0" forceAA="0" compatLnSpc="1">
+            <a:prstTxWarp prst="textNoShape">
+              <a:avLst/>
+            </a:prstTxWarp>
+            <a:spAutoFit/>
+          </a:bodyPr>
+          <a:lstStyle/>
+          <a:p>
             <a:pPr algn="l"/>
             <a:r>
               <a:rPr lang="en-US" sz="4900" i="1" dirty="0"/>
-              <a:t>REFERÊNCIAS</a:t>
+              <a:t>Dúvidas?</a:t>
             </a:r>
             <a:endParaRPr lang="en-US" sz="4900" i="1" dirty="0">
               <a:cs typeface="Calibri"/>
@@ -8052,6 +8156,233 @@
           </a:p>
         </p:txBody>
       </p:sp>
+      <p:pic>
+        <p:nvPicPr>
+          <p:cNvPr id="4" name="Imagem 3" descr="Ícone&#10;&#10;Descrição gerada automaticamente">
+            <a:extLst>
+              <a:ext uri="{FF2B5EF4-FFF2-40B4-BE49-F238E27FC236}">
+                <a16:creationId xmlns:a16="http://schemas.microsoft.com/office/drawing/2014/main" id="{1223C119-6630-8150-7708-38815BA49809}"/>
+              </a:ext>
+            </a:extLst>
+          </p:cNvPr>
+          <p:cNvPicPr>
+            <a:picLocks noChangeAspect="1"/>
+          </p:cNvPicPr>
+          <p:nvPr/>
+        </p:nvPicPr>
+        <p:blipFill>
+          <a:blip r:embed="rId2">
+            <a:extLst>
+              <a:ext uri="{28A0092B-C50C-407E-A947-70E740481C1C}">
+                <a14:useLocalDpi xmlns:a14="http://schemas.microsoft.com/office/drawing/2010/main" val="0"/>
+              </a:ext>
+            </a:extLst>
+          </a:blip>
+          <a:stretch>
+            <a:fillRect/>
+          </a:stretch>
+        </p:blipFill>
+        <p:spPr>
+          <a:xfrm>
+            <a:off x="3676061" y="1009061"/>
+            <a:ext cx="4839878" cy="4839878"/>
+          </a:xfrm>
+          <a:prstGeom prst="rect">
+            <a:avLst/>
+          </a:prstGeom>
+        </p:spPr>
+      </p:pic>
+    </p:spTree>
+    <p:extLst>
+      <p:ext uri="{BB962C8B-B14F-4D97-AF65-F5344CB8AC3E}">
+        <p14:creationId xmlns:p14="http://schemas.microsoft.com/office/powerpoint/2010/main" val="2847713454"/>
+      </p:ext>
+    </p:extLst>
+  </p:cSld>
+  <p:clrMapOvr>
+    <a:masterClrMapping/>
+  </p:clrMapOvr>
+</p:sld>
+</file>
+
+<file path=ppt/slides/slide27.xml><?xml version="1.0" encoding="utf-8"?>
+<p:sld xmlns:a="http://schemas.openxmlformats.org/drawingml/2006/main" xmlns:r="http://schemas.openxmlformats.org/officeDocument/2006/relationships" xmlns:p="http://schemas.openxmlformats.org/presentationml/2006/main">
+  <p:cSld>
+    <p:spTree>
+      <p:nvGrpSpPr>
+        <p:cNvPr id="1" name=""/>
+        <p:cNvGrpSpPr/>
+        <p:nvPr/>
+      </p:nvGrpSpPr>
+      <p:grpSpPr>
+        <a:xfrm>
+          <a:off x="0" y="0"/>
+          <a:ext cx="0" cy="0"/>
+          <a:chOff x="0" y="0"/>
+          <a:chExt cx="0" cy="0"/>
+        </a:xfrm>
+      </p:grpSpPr>
+      <p:sp>
+        <p:nvSpPr>
+          <p:cNvPr id="3" name="Rectangle 2">
+            <a:extLst>
+              <a:ext uri="{FF2B5EF4-FFF2-40B4-BE49-F238E27FC236}">
+                <a16:creationId xmlns:a16="http://schemas.microsoft.com/office/drawing/2014/main" id="{30708D26-B4A5-015D-4B78-65A8335F30DA}"/>
+              </a:ext>
+            </a:extLst>
+          </p:cNvPr>
+          <p:cNvSpPr/>
+          <p:nvPr/>
+        </p:nvSpPr>
+        <p:spPr>
+          <a:xfrm>
+            <a:off x="11274725" y="-4313"/>
+            <a:ext cx="920150" cy="6966856"/>
+          </a:xfrm>
+          <a:prstGeom prst="rect">
+            <a:avLst/>
+          </a:prstGeom>
+          <a:solidFill>
+            <a:schemeClr val="accent6">
+              <a:lumMod val="75000"/>
+            </a:schemeClr>
+          </a:solidFill>
+          <a:ln>
+            <a:noFill/>
+          </a:ln>
+        </p:spPr>
+        <p:style>
+          <a:lnRef idx="2">
+            <a:schemeClr val="accent1">
+              <a:shade val="50000"/>
+            </a:schemeClr>
+          </a:lnRef>
+          <a:fillRef idx="1">
+            <a:schemeClr val="accent1"/>
+          </a:fillRef>
+          <a:effectRef idx="0">
+            <a:schemeClr val="accent1"/>
+          </a:effectRef>
+          <a:fontRef idx="minor">
+            <a:schemeClr val="lt1"/>
+          </a:fontRef>
+        </p:style>
+        <p:txBody>
+          <a:bodyPr rtlCol="0" anchor="ctr"/>
+          <a:lstStyle/>
+          <a:p>
+            <a:pPr algn="ctr"/>
+            <a:endParaRPr lang="en-US" dirty="0"/>
+          </a:p>
+        </p:txBody>
+      </p:sp>
+      <p:sp>
+        <p:nvSpPr>
+          <p:cNvPr id="5" name="Rectangle 4">
+            <a:extLst>
+              <a:ext uri="{FF2B5EF4-FFF2-40B4-BE49-F238E27FC236}">
+                <a16:creationId xmlns:a16="http://schemas.microsoft.com/office/drawing/2014/main" id="{6A38DADA-41FD-2E3E-7B33-937EC480D57F}"/>
+              </a:ext>
+            </a:extLst>
+          </p:cNvPr>
+          <p:cNvSpPr/>
+          <p:nvPr/>
+        </p:nvSpPr>
+        <p:spPr>
+          <a:xfrm>
+            <a:off x="11272557" y="2677645"/>
+            <a:ext cx="918882" cy="918882"/>
+          </a:xfrm>
+          <a:prstGeom prst="rect">
+            <a:avLst/>
+          </a:prstGeom>
+          <a:solidFill>
+            <a:schemeClr val="accent6">
+              <a:lumMod val="60000"/>
+              <a:lumOff val="40000"/>
+            </a:schemeClr>
+          </a:solidFill>
+          <a:ln>
+            <a:noFill/>
+          </a:ln>
+        </p:spPr>
+        <p:style>
+          <a:lnRef idx="2">
+            <a:schemeClr val="accent1">
+              <a:shade val="50000"/>
+            </a:schemeClr>
+          </a:lnRef>
+          <a:fillRef idx="1">
+            <a:schemeClr val="accent1"/>
+          </a:fillRef>
+          <a:effectRef idx="0">
+            <a:schemeClr val="accent1"/>
+          </a:effectRef>
+          <a:fontRef idx="minor">
+            <a:schemeClr val="lt1"/>
+          </a:fontRef>
+        </p:style>
+        <p:txBody>
+          <a:bodyPr lIns="91440" tIns="45720" rIns="91440" bIns="45720" rtlCol="0" anchor="ctr"/>
+          <a:lstStyle/>
+          <a:p>
+            <a:pPr algn="ctr"/>
+            <a:r>
+              <a:rPr lang="en-US" sz="2800" dirty="0">
+                <a:solidFill>
+                  <a:schemeClr val="accent6">
+                    <a:lumMod val="50000"/>
+                  </a:schemeClr>
+                </a:solidFill>
+                <a:cs typeface="Calibri"/>
+              </a:rPr>
+              <a:t>27</a:t>
+            </a:r>
+          </a:p>
+        </p:txBody>
+      </p:sp>
+      <p:sp>
+        <p:nvSpPr>
+          <p:cNvPr id="6" name="TextBox 5">
+            <a:extLst>
+              <a:ext uri="{FF2B5EF4-FFF2-40B4-BE49-F238E27FC236}">
+                <a16:creationId xmlns:a16="http://schemas.microsoft.com/office/drawing/2014/main" id="{DFD9A803-BD83-F3B1-A2E4-9DCF0428DB5A}"/>
+              </a:ext>
+            </a:extLst>
+          </p:cNvPr>
+          <p:cNvSpPr txBox="1"/>
+          <p:nvPr/>
+        </p:nvSpPr>
+        <p:spPr>
+          <a:xfrm>
+            <a:off x="853924" y="454780"/>
+            <a:ext cx="8658786" cy="846386"/>
+          </a:xfrm>
+          <a:prstGeom prst="rect">
+            <a:avLst/>
+          </a:prstGeom>
+          <a:noFill/>
+        </p:spPr>
+        <p:txBody>
+          <a:bodyPr rot="0" spcFirstLastPara="0" vertOverflow="overflow" horzOverflow="overflow" vert="horz" wrap="square" lIns="91440" tIns="45720" rIns="91440" bIns="45720" numCol="1" spcCol="0" rtlCol="0" fromWordArt="0" anchor="t" anchorCtr="0" forceAA="0" compatLnSpc="1">
+            <a:prstTxWarp prst="textNoShape">
+              <a:avLst/>
+            </a:prstTxWarp>
+            <a:spAutoFit/>
+          </a:bodyPr>
+          <a:lstStyle/>
+          <a:p>
+            <a:pPr algn="l"/>
+            <a:r>
+              <a:rPr lang="en-US" sz="4900" i="1" dirty="0"/>
+              <a:t>REFERÊNCIAS</a:t>
+            </a:r>
+            <a:endParaRPr lang="en-US" sz="4900" i="1" dirty="0">
+              <a:cs typeface="Calibri"/>
+            </a:endParaRPr>
+          </a:p>
+        </p:txBody>
+      </p:sp>
       <p:sp>
         <p:nvSpPr>
           <p:cNvPr id="7" name="TextBox 6">
@@ -8067,7 +8398,7 @@
         <p:spPr>
           <a:xfrm>
             <a:off x="267286" y="1301167"/>
-            <a:ext cx="9777046" cy="2639441"/>
+            <a:ext cx="9777046" cy="3008772"/>
           </a:xfrm>
           <a:prstGeom prst="rect">
             <a:avLst/>
@@ -8155,6 +8486,16 @@
               </a:rPr>
               <a:t>. Disponível em: &lt;https://blog.waycarbon.com/2015/10/conheca-os-17-objetivos-do-desenvolvimento-sustentavel-da-onu/&gt;. Acesso em: 17/05/2022.</a:t>
             </a:r>
+          </a:p>
+          <a:p>
+            <a:pPr marL="457207" lvl="1" algn="just">
+              <a:lnSpc>
+                <a:spcPct val="150000"/>
+              </a:lnSpc>
+            </a:pPr>
+            <a:endParaRPr lang="pt-BR" sz="1600" dirty="0">
+              <a:effectLst/>
+            </a:endParaRPr>
           </a:p>
         </p:txBody>
       </p:sp>
@@ -10398,6 +10739,15 @@
 </file>
 
 <file path=customXml/item2.xml><?xml version="1.0" encoding="utf-8"?>
+<?mso-contentType ?>
+<FormTemplates xmlns="http://schemas.microsoft.com/sharepoint/v3/contenttype/forms">
+  <Display>DocumentLibraryForm</Display>
+  <Edit>DocumentLibraryForm</Edit>
+  <New>DocumentLibraryForm</New>
+</FormTemplates>
+</file>
+
+<file path=customXml/item3.xml><?xml version="1.0" encoding="utf-8"?>
 <ct:contentTypeSchema xmlns:ct="http://schemas.microsoft.com/office/2006/metadata/contentType" xmlns:ma="http://schemas.microsoft.com/office/2006/metadata/properties/metaAttributes" ct:_="" ma:_="" ma:contentTypeName="Documento" ma:contentTypeID="0x0101000F6611434B13A3479CB25E68C2F97656" ma:contentTypeVersion="8" ma:contentTypeDescription="Crie um novo documento." ma:contentTypeScope="" ma:versionID="e690f393f58afc50289eb8bca84d0b5e">
   <xsd:schema xmlns:xsd="http://www.w3.org/2001/XMLSchema" xmlns:xs="http://www.w3.org/2001/XMLSchema" xmlns:p="http://schemas.microsoft.com/office/2006/metadata/properties" xmlns:ns2="1d59b4e3-a75a-45fd-b48b-7e736d129f7c" xmlns:ns3="0d2254a8-b9ed-4394-a847-13ad7b246dd9" targetNamespace="http://schemas.microsoft.com/office/2006/metadata/properties" ma:root="true" ma:fieldsID="35e1e1df96c581faa18d9b75de6153ec" ns2:_="" ns3:_="">
     <xsd:import namespace="1d59b4e3-a75a-45fd-b48b-7e736d129f7c"/>
@@ -10574,15 +10924,6 @@
 </ct:contentTypeSchema>
 </file>
 
-<file path=customXml/item3.xml><?xml version="1.0" encoding="utf-8"?>
-<?mso-contentType ?>
-<FormTemplates xmlns="http://schemas.microsoft.com/sharepoint/v3/contenttype/forms">
-  <Display>DocumentLibraryForm</Display>
-  <Edit>DocumentLibraryForm</Edit>
-  <New>DocumentLibraryForm</New>
-</FormTemplates>
-</file>
-
 <file path=customXml/itemProps1.xml><?xml version="1.0" encoding="utf-8"?>
 <ds:datastoreItem xmlns:ds="http://schemas.openxmlformats.org/officeDocument/2006/customXml" ds:itemID="{4BE94CC1-0AD3-421C-BD23-C60399E02F74}">
   <ds:schemaRefs>
@@ -10601,6 +10942,14 @@
 </file>
 
 <file path=customXml/itemProps2.xml><?xml version="1.0" encoding="utf-8"?>
+<ds:datastoreItem xmlns:ds="http://schemas.openxmlformats.org/officeDocument/2006/customXml" ds:itemID="{0271FEB8-267E-4B28-AAFD-6837C5AC29C2}">
+  <ds:schemaRefs>
+    <ds:schemaRef ds:uri="http://schemas.microsoft.com/sharepoint/v3/contenttype/forms"/>
+  </ds:schemaRefs>
+</ds:datastoreItem>
+</file>
+
+<file path=customXml/itemProps3.xml><?xml version="1.0" encoding="utf-8"?>
 <ds:datastoreItem xmlns:ds="http://schemas.openxmlformats.org/officeDocument/2006/customXml" ds:itemID="{308407FC-F17D-47E8-AA88-62D24346204B}">
   <ds:schemaRefs>
     <ds:schemaRef ds:uri="http://schemas.microsoft.com/office/2006/metadata/contentType"/>
@@ -10617,12 +10966,4 @@
     <ds:schemaRef ds:uri="http://schemas.microsoft.com/internal/obd"/>
   </ds:schemaRefs>
 </ds:datastoreItem>
-</file>
-
-<file path=customXml/itemProps3.xml><?xml version="1.0" encoding="utf-8"?>
-<ds:datastoreItem xmlns:ds="http://schemas.openxmlformats.org/officeDocument/2006/customXml" ds:itemID="{0271FEB8-267E-4B28-AAFD-6837C5AC29C2}">
-  <ds:schemaRefs>
-    <ds:schemaRef ds:uri="http://schemas.microsoft.com/sharepoint/v3/contenttype/forms"/>
-  </ds:schemaRefs>
-</ds:datastoreItem>
 </file>